--- a/ClassMaterials/SimpleObjects/Slides/Part1-TodaysStartup.pptx
+++ b/ClassMaterials/SimpleObjects/Slides/Part1-TodaysStartup.pptx
@@ -1650,7 +1650,7 @@
               <a:pPr>
                 <a:defRPr/>
               </a:pPr>
-              <a:t>Tuesday, November 22, 2022</a:t>
+              <a:t>Tuesday, March 14, 2023</a:t>
             </a:fld>
             <a:endParaRPr lang="en-US"/>
           </a:p>
@@ -1833,7 +1833,7 @@
               <a:pPr>
                 <a:defRPr/>
               </a:pPr>
-              <a:t>Tuesday, November 22, 2022</a:t>
+              <a:t>Tuesday, March 14, 2023</a:t>
             </a:fld>
             <a:endParaRPr lang="en-US"/>
           </a:p>
@@ -4946,6 +4946,15 @@
 </file>
 
 <file path=customXml/item1.xml><?xml version="1.0" encoding="utf-8"?>
+<?mso-contentType ?>
+<FormTemplates xmlns="http://schemas.microsoft.com/sharepoint/v3/contenttype/forms">
+  <Display>DocumentLibraryForm</Display>
+  <Edit>DocumentLibraryForm</Edit>
+  <New>DocumentLibraryForm</New>
+</FormTemplates>
+</file>
+
+<file path=customXml/item2.xml><?xml version="1.0" encoding="utf-8"?>
 <ct:contentTypeSchema xmlns:ct="http://schemas.microsoft.com/office/2006/metadata/contentType" xmlns:ma="http://schemas.microsoft.com/office/2006/metadata/properties/metaAttributes" ct:_="" ma:_="" ma:contentTypeName="Document" ma:contentTypeID="0x0101004285D81DBE5F5A448E892B34D6B8CF20" ma:contentTypeVersion="7" ma:contentTypeDescription="Create a new document." ma:contentTypeScope="" ma:versionID="5d1eb4e46a89551cacffd71f81775a5c">
   <xsd:schema xmlns:xsd="http://www.w3.org/2001/XMLSchema" xmlns:xs="http://www.w3.org/2001/XMLSchema" xmlns:p="http://schemas.microsoft.com/office/2006/metadata/properties" xmlns:ns2="08600313-7276-4ca7-b5d3-7d86193ee0ac" xmlns:ns3="820f9cb1-409d-4c4b-8197-1d4f7dd48124" targetNamespace="http://schemas.microsoft.com/office/2006/metadata/properties" ma:root="true" ma:fieldsID="88f943689c6eba50ac915d805157f594" ns2:_="" ns3:_="">
     <xsd:import namespace="08600313-7276-4ca7-b5d3-7d86193ee0ac"/>
@@ -5114,15 +5123,6 @@
 </ct:contentTypeSchema>
 </file>
 
-<file path=customXml/item2.xml><?xml version="1.0" encoding="utf-8"?>
-<?mso-contentType ?>
-<FormTemplates xmlns="http://schemas.microsoft.com/sharepoint/v3/contenttype/forms">
-  <Display>DocumentLibraryForm</Display>
-  <Edit>DocumentLibraryForm</Edit>
-  <New>DocumentLibraryForm</New>
-</FormTemplates>
-</file>
-
 <file path=customXml/item3.xml><?xml version="1.0" encoding="utf-8"?>
 <p:properties xmlns:p="http://schemas.microsoft.com/office/2006/metadata/properties" xmlns:xsi="http://www.w3.org/2001/XMLSchema-instance" xmlns:pc="http://schemas.microsoft.com/office/infopath/2007/PartnerControls">
   <documentManagement>
@@ -5135,6 +5135,14 @@
 </file>
 
 <file path=customXml/itemProps1.xml><?xml version="1.0" encoding="utf-8"?>
+<ds:datastoreItem xmlns:ds="http://schemas.openxmlformats.org/officeDocument/2006/customXml" ds:itemID="{63A389DE-AA01-4DDE-9AC8-23AA9A07961D}">
+  <ds:schemaRefs>
+    <ds:schemaRef ds:uri="http://schemas.microsoft.com/sharepoint/v3/contenttype/forms"/>
+  </ds:schemaRefs>
+</ds:datastoreItem>
+</file>
+
+<file path=customXml/itemProps2.xml><?xml version="1.0" encoding="utf-8"?>
 <ds:datastoreItem xmlns:ds="http://schemas.openxmlformats.org/officeDocument/2006/customXml" ds:itemID="{84DAE545-BE9D-4229-851A-C94DD8292B95}">
   <ds:schemaRefs>
     <ds:schemaRef ds:uri="http://schemas.microsoft.com/office/2006/metadata/contentType"/>
@@ -5149,14 +5157,6 @@
     <ds:schemaRef ds:uri="http://purl.org/dc/elements/1.1/"/>
     <ds:schemaRef ds:uri="http://purl.org/dc/terms/"/>
     <ds:schemaRef ds:uri="http://schemas.microsoft.com/internal/obd"/>
-  </ds:schemaRefs>
-</ds:datastoreItem>
-</file>
-
-<file path=customXml/itemProps2.xml><?xml version="1.0" encoding="utf-8"?>
-<ds:datastoreItem xmlns:ds="http://schemas.openxmlformats.org/officeDocument/2006/customXml" ds:itemID="{63A389DE-AA01-4DDE-9AC8-23AA9A07961D}">
-  <ds:schemaRefs>
-    <ds:schemaRef ds:uri="http://schemas.microsoft.com/sharepoint/v3/contenttype/forms"/>
   </ds:schemaRefs>
 </ds:datastoreItem>
 </file>

--- a/ClassMaterials/SimpleObjects/Slides/Part1-TodaysStartup.pptx
+++ b/ClassMaterials/SimpleObjects/Slides/Part1-TodaysStartup.pptx
@@ -121,6 +121,30 @@
 <file path=ppt/changesInfos/changesInfo1.xml><?xml version="1.0" encoding="utf-8"?>
 <pc:chgInfo xmlns:a="http://schemas.openxmlformats.org/drawingml/2006/main" xmlns:r="http://schemas.openxmlformats.org/officeDocument/2006/relationships" xmlns:ac="http://schemas.microsoft.com/office/drawing/2013/main/command" xmlns:pc="http://schemas.microsoft.com/office/powerpoint/2013/main/command">
   <pc:docChgLst>
+    <pc:chgData name="Yoder, Jason" userId="28f4d4d8-da04-4f86-b14d-a21675737bc5" providerId="ADAL" clId="{C249205D-A13E-4077-9E1F-D25F053C084F}"/>
+    <pc:docChg chg="modSld">
+      <pc:chgData name="Yoder, Jason" userId="28f4d4d8-da04-4f86-b14d-a21675737bc5" providerId="ADAL" clId="{C249205D-A13E-4077-9E1F-D25F053C084F}" dt="2023-09-03T17:31:15.710" v="14" actId="20577"/>
+      <pc:docMkLst>
+        <pc:docMk/>
+      </pc:docMkLst>
+      <pc:sldChg chg="modSp mod">
+        <pc:chgData name="Yoder, Jason" userId="28f4d4d8-da04-4f86-b14d-a21675737bc5" providerId="ADAL" clId="{C249205D-A13E-4077-9E1F-D25F053C084F}" dt="2023-09-03T17:31:15.710" v="14" actId="20577"/>
+        <pc:sldMkLst>
+          <pc:docMk/>
+          <pc:sldMk cId="475850554" sldId="256"/>
+        </pc:sldMkLst>
+        <pc:spChg chg="mod">
+          <ac:chgData name="Yoder, Jason" userId="28f4d4d8-da04-4f86-b14d-a21675737bc5" providerId="ADAL" clId="{C249205D-A13E-4077-9E1F-D25F053C084F}" dt="2023-09-03T17:31:15.710" v="14" actId="20577"/>
+          <ac:spMkLst>
+            <pc:docMk/>
+            <pc:sldMk cId="475850554" sldId="256"/>
+            <ac:spMk id="4" creationId="{88299B38-4E01-0C8D-B27E-24B46DF57E87}"/>
+          </ac:spMkLst>
+        </pc:spChg>
+      </pc:sldChg>
+    </pc:docChg>
+  </pc:docChgLst>
+  <pc:docChgLst>
     <pc:chgData name="Hollingsworth, Joseph" userId="6338ef61-550f-4a52-a8a3-bd9025908f10" providerId="ADAL" clId="{E3941778-3D8E-4C4D-BB2E-D923BB903C41}"/>
     <pc:docChg chg="modSld">
       <pc:chgData name="Hollingsworth, Joseph" userId="6338ef61-550f-4a52-a8a3-bd9025908f10" providerId="ADAL" clId="{E3941778-3D8E-4C4D-BB2E-D923BB903C41}" dt="2022-03-15T12:32:08.030" v="3" actId="6549"/>
@@ -1650,7 +1674,7 @@
               <a:pPr>
                 <a:defRPr/>
               </a:pPr>
-              <a:t>Tuesday, March 14, 2023</a:t>
+              <a:t>Sunday, September 3, 2023</a:t>
             </a:fld>
             <a:endParaRPr lang="en-US"/>
           </a:p>
@@ -1833,7 +1857,7 @@
               <a:pPr>
                 <a:defRPr/>
               </a:pPr>
-              <a:t>Tuesday, March 14, 2023</a:t>
+              <a:t>Sunday, September 3, 2023</a:t>
             </a:fld>
             <a:endParaRPr lang="en-US"/>
           </a:p>
@@ -4010,13 +4034,18 @@
           </a:p>
           <a:p>
             <a:r>
-              <a:rPr lang="en-US" sz="4400" dirty="0">
+              <a:rPr lang="en-US" sz="4400" dirty="0" err="1">
                 <a:highlight>
                   <a:srgbClr val="FFFF00"/>
                 </a:highlight>
               </a:rPr>
-              <a:t>__________</a:t>
+              <a:t>boxandpointers</a:t>
             </a:r>
+            <a:endParaRPr lang="en-US" sz="4400" dirty="0">
+              <a:highlight>
+                <a:srgbClr val="FFFF00"/>
+              </a:highlight>
+            </a:endParaRPr>
           </a:p>
         </p:txBody>
       </p:sp>
@@ -4946,12 +4975,14 @@
 </file>
 
 <file path=customXml/item1.xml><?xml version="1.0" encoding="utf-8"?>
-<?mso-contentType ?>
-<FormTemplates xmlns="http://schemas.microsoft.com/sharepoint/v3/contenttype/forms">
-  <Display>DocumentLibraryForm</Display>
-  <Edit>DocumentLibraryForm</Edit>
-  <New>DocumentLibraryForm</New>
-</FormTemplates>
+<p:properties xmlns:p="http://schemas.microsoft.com/office/2006/metadata/properties" xmlns:xsi="http://www.w3.org/2001/XMLSchema-instance" xmlns:pc="http://schemas.microsoft.com/office/infopath/2007/PartnerControls">
+  <documentManagement>
+    <TaxCatchAll xmlns="820f9cb1-409d-4c4b-8197-1d4f7dd48124" xsi:nil="true"/>
+    <lcf76f155ced4ddcb4097134ff3c332f xmlns="08600313-7276-4ca7-b5d3-7d86193ee0ac">
+      <Terms xmlns="http://schemas.microsoft.com/office/infopath/2007/PartnerControls"/>
+    </lcf76f155ced4ddcb4097134ff3c332f>
+  </documentManagement>
+</p:properties>
 </file>
 
 <file path=customXml/item2.xml><?xml version="1.0" encoding="utf-8"?>
@@ -5124,20 +5155,28 @@
 </file>
 
 <file path=customXml/item3.xml><?xml version="1.0" encoding="utf-8"?>
-<p:properties xmlns:p="http://schemas.microsoft.com/office/2006/metadata/properties" xmlns:xsi="http://www.w3.org/2001/XMLSchema-instance" xmlns:pc="http://schemas.microsoft.com/office/infopath/2007/PartnerControls">
-  <documentManagement>
-    <TaxCatchAll xmlns="820f9cb1-409d-4c4b-8197-1d4f7dd48124" xsi:nil="true"/>
-    <lcf76f155ced4ddcb4097134ff3c332f xmlns="08600313-7276-4ca7-b5d3-7d86193ee0ac">
-      <Terms xmlns="http://schemas.microsoft.com/office/infopath/2007/PartnerControls"/>
-    </lcf76f155ced4ddcb4097134ff3c332f>
-  </documentManagement>
-</p:properties>
+<?mso-contentType ?>
+<FormTemplates xmlns="http://schemas.microsoft.com/sharepoint/v3/contenttype/forms">
+  <Display>DocumentLibraryForm</Display>
+  <Edit>DocumentLibraryForm</Edit>
+  <New>DocumentLibraryForm</New>
+</FormTemplates>
 </file>
 
 <file path=customXml/itemProps1.xml><?xml version="1.0" encoding="utf-8"?>
-<ds:datastoreItem xmlns:ds="http://schemas.openxmlformats.org/officeDocument/2006/customXml" ds:itemID="{63A389DE-AA01-4DDE-9AC8-23AA9A07961D}">
+<ds:datastoreItem xmlns:ds="http://schemas.openxmlformats.org/officeDocument/2006/customXml" ds:itemID="{86CD37EC-2B9F-4D64-BA4A-94B17701AD27}">
   <ds:schemaRefs>
-    <ds:schemaRef ds:uri="http://schemas.microsoft.com/sharepoint/v3/contenttype/forms"/>
+    <ds:schemaRef ds:uri="79ddb764-415a-4c38-83b7-908be6382bea"/>
+    <ds:schemaRef ds:uri="http://purl.org/dc/dcmitype/"/>
+    <ds:schemaRef ds:uri="http://purl.org/dc/elements/1.1/"/>
+    <ds:schemaRef ds:uri="http://schemas.openxmlformats.org/package/2006/metadata/core-properties"/>
+    <ds:schemaRef ds:uri="http://schemas.microsoft.com/office/2006/metadata/properties"/>
+    <ds:schemaRef ds:uri="http://purl.org/dc/terms/"/>
+    <ds:schemaRef ds:uri="http://schemas.microsoft.com/office/2006/documentManagement/types"/>
+    <ds:schemaRef ds:uri="http://schemas.microsoft.com/office/infopath/2007/PartnerControls"/>
+    <ds:schemaRef ds:uri="http://www.w3.org/XML/1998/namespace"/>
+    <ds:schemaRef ds:uri="820f9cb1-409d-4c4b-8197-1d4f7dd48124"/>
+    <ds:schemaRef ds:uri="08600313-7276-4ca7-b5d3-7d86193ee0ac"/>
   </ds:schemaRefs>
 </ds:datastoreItem>
 </file>
@@ -5162,19 +5201,9 @@
 </file>
 
 <file path=customXml/itemProps3.xml><?xml version="1.0" encoding="utf-8"?>
-<ds:datastoreItem xmlns:ds="http://schemas.openxmlformats.org/officeDocument/2006/customXml" ds:itemID="{86CD37EC-2B9F-4D64-BA4A-94B17701AD27}">
+<ds:datastoreItem xmlns:ds="http://schemas.openxmlformats.org/officeDocument/2006/customXml" ds:itemID="{63A389DE-AA01-4DDE-9AC8-23AA9A07961D}">
   <ds:schemaRefs>
-    <ds:schemaRef ds:uri="79ddb764-415a-4c38-83b7-908be6382bea"/>
-    <ds:schemaRef ds:uri="http://purl.org/dc/dcmitype/"/>
-    <ds:schemaRef ds:uri="http://purl.org/dc/elements/1.1/"/>
-    <ds:schemaRef ds:uri="http://schemas.openxmlformats.org/package/2006/metadata/core-properties"/>
-    <ds:schemaRef ds:uri="http://schemas.microsoft.com/office/2006/metadata/properties"/>
-    <ds:schemaRef ds:uri="http://purl.org/dc/terms/"/>
-    <ds:schemaRef ds:uri="http://schemas.microsoft.com/office/2006/documentManagement/types"/>
-    <ds:schemaRef ds:uri="http://schemas.microsoft.com/office/infopath/2007/PartnerControls"/>
-    <ds:schemaRef ds:uri="http://www.w3.org/XML/1998/namespace"/>
-    <ds:schemaRef ds:uri="820f9cb1-409d-4c4b-8197-1d4f7dd48124"/>
-    <ds:schemaRef ds:uri="08600313-7276-4ca7-b5d3-7d86193ee0ac"/>
+    <ds:schemaRef ds:uri="http://schemas.microsoft.com/sharepoint/v3/contenttype/forms"/>
   </ds:schemaRefs>
 </ds:datastoreItem>
 </file>
--- a/ClassMaterials/SimpleObjects/Slides/Part1-TodaysStartup.pptx
+++ b/ClassMaterials/SimpleObjects/Slides/Part1-TodaysStartup.pptx
@@ -121,30 +121,6 @@
 <file path=ppt/changesInfos/changesInfo1.xml><?xml version="1.0" encoding="utf-8"?>
 <pc:chgInfo xmlns:a="http://schemas.openxmlformats.org/drawingml/2006/main" xmlns:r="http://schemas.openxmlformats.org/officeDocument/2006/relationships" xmlns:ac="http://schemas.microsoft.com/office/drawing/2013/main/command" xmlns:pc="http://schemas.microsoft.com/office/powerpoint/2013/main/command">
   <pc:docChgLst>
-    <pc:chgData name="Yoder, Jason" userId="28f4d4d8-da04-4f86-b14d-a21675737bc5" providerId="ADAL" clId="{C249205D-A13E-4077-9E1F-D25F053C084F}"/>
-    <pc:docChg chg="modSld">
-      <pc:chgData name="Yoder, Jason" userId="28f4d4d8-da04-4f86-b14d-a21675737bc5" providerId="ADAL" clId="{C249205D-A13E-4077-9E1F-D25F053C084F}" dt="2023-09-03T17:31:15.710" v="14" actId="20577"/>
-      <pc:docMkLst>
-        <pc:docMk/>
-      </pc:docMkLst>
-      <pc:sldChg chg="modSp mod">
-        <pc:chgData name="Yoder, Jason" userId="28f4d4d8-da04-4f86-b14d-a21675737bc5" providerId="ADAL" clId="{C249205D-A13E-4077-9E1F-D25F053C084F}" dt="2023-09-03T17:31:15.710" v="14" actId="20577"/>
-        <pc:sldMkLst>
-          <pc:docMk/>
-          <pc:sldMk cId="475850554" sldId="256"/>
-        </pc:sldMkLst>
-        <pc:spChg chg="mod">
-          <ac:chgData name="Yoder, Jason" userId="28f4d4d8-da04-4f86-b14d-a21675737bc5" providerId="ADAL" clId="{C249205D-A13E-4077-9E1F-D25F053C084F}" dt="2023-09-03T17:31:15.710" v="14" actId="20577"/>
-          <ac:spMkLst>
-            <pc:docMk/>
-            <pc:sldMk cId="475850554" sldId="256"/>
-            <ac:spMk id="4" creationId="{88299B38-4E01-0C8D-B27E-24B46DF57E87}"/>
-          </ac:spMkLst>
-        </pc:spChg>
-      </pc:sldChg>
-    </pc:docChg>
-  </pc:docChgLst>
-  <pc:docChgLst>
     <pc:chgData name="Hollingsworth, Joseph" userId="6338ef61-550f-4a52-a8a3-bd9025908f10" providerId="ADAL" clId="{E3941778-3D8E-4C4D-BB2E-D923BB903C41}"/>
     <pc:docChg chg="modSld">
       <pc:chgData name="Hollingsworth, Joseph" userId="6338ef61-550f-4a52-a8a3-bd9025908f10" providerId="ADAL" clId="{E3941778-3D8E-4C4D-BB2E-D923BB903C41}" dt="2022-03-15T12:32:08.030" v="3" actId="6549"/>
@@ -1674,7 +1650,7 @@
               <a:pPr>
                 <a:defRPr/>
               </a:pPr>
-              <a:t>Sunday, September 3, 2023</a:t>
+              <a:t>Tuesday, March 14, 2023</a:t>
             </a:fld>
             <a:endParaRPr lang="en-US"/>
           </a:p>
@@ -1857,7 +1833,7 @@
               <a:pPr>
                 <a:defRPr/>
               </a:pPr>
-              <a:t>Sunday, September 3, 2023</a:t>
+              <a:t>Tuesday, March 14, 2023</a:t>
             </a:fld>
             <a:endParaRPr lang="en-US"/>
           </a:p>
@@ -4034,18 +4010,13 @@
           </a:p>
           <a:p>
             <a:r>
-              <a:rPr lang="en-US" sz="4400" dirty="0" err="1">
+              <a:rPr lang="en-US" sz="4400" dirty="0">
                 <a:highlight>
                   <a:srgbClr val="FFFF00"/>
                 </a:highlight>
               </a:rPr>
-              <a:t>boxandpointers</a:t>
-            </a:r>
-            <a:endParaRPr lang="en-US" sz="4400" dirty="0">
-              <a:highlight>
-                <a:srgbClr val="FFFF00"/>
-              </a:highlight>
-            </a:endParaRPr>
+              <a:t>__________</a:t>
+            </a:r>
           </a:p>
         </p:txBody>
       </p:sp>
@@ -4975,14 +4946,12 @@
 </file>
 
 <file path=customXml/item1.xml><?xml version="1.0" encoding="utf-8"?>
-<p:properties xmlns:p="http://schemas.microsoft.com/office/2006/metadata/properties" xmlns:xsi="http://www.w3.org/2001/XMLSchema-instance" xmlns:pc="http://schemas.microsoft.com/office/infopath/2007/PartnerControls">
-  <documentManagement>
-    <TaxCatchAll xmlns="820f9cb1-409d-4c4b-8197-1d4f7dd48124" xsi:nil="true"/>
-    <lcf76f155ced4ddcb4097134ff3c332f xmlns="08600313-7276-4ca7-b5d3-7d86193ee0ac">
-      <Terms xmlns="http://schemas.microsoft.com/office/infopath/2007/PartnerControls"/>
-    </lcf76f155ced4ddcb4097134ff3c332f>
-  </documentManagement>
-</p:properties>
+<?mso-contentType ?>
+<FormTemplates xmlns="http://schemas.microsoft.com/sharepoint/v3/contenttype/forms">
+  <Display>DocumentLibraryForm</Display>
+  <Edit>DocumentLibraryForm</Edit>
+  <New>DocumentLibraryForm</New>
+</FormTemplates>
 </file>
 
 <file path=customXml/item2.xml><?xml version="1.0" encoding="utf-8"?>
@@ -5155,28 +5124,20 @@
 </file>
 
 <file path=customXml/item3.xml><?xml version="1.0" encoding="utf-8"?>
-<?mso-contentType ?>
-<FormTemplates xmlns="http://schemas.microsoft.com/sharepoint/v3/contenttype/forms">
-  <Display>DocumentLibraryForm</Display>
-  <Edit>DocumentLibraryForm</Edit>
-  <New>DocumentLibraryForm</New>
-</FormTemplates>
+<p:properties xmlns:p="http://schemas.microsoft.com/office/2006/metadata/properties" xmlns:xsi="http://www.w3.org/2001/XMLSchema-instance" xmlns:pc="http://schemas.microsoft.com/office/infopath/2007/PartnerControls">
+  <documentManagement>
+    <TaxCatchAll xmlns="820f9cb1-409d-4c4b-8197-1d4f7dd48124" xsi:nil="true"/>
+    <lcf76f155ced4ddcb4097134ff3c332f xmlns="08600313-7276-4ca7-b5d3-7d86193ee0ac">
+      <Terms xmlns="http://schemas.microsoft.com/office/infopath/2007/PartnerControls"/>
+    </lcf76f155ced4ddcb4097134ff3c332f>
+  </documentManagement>
+</p:properties>
 </file>
 
 <file path=customXml/itemProps1.xml><?xml version="1.0" encoding="utf-8"?>
-<ds:datastoreItem xmlns:ds="http://schemas.openxmlformats.org/officeDocument/2006/customXml" ds:itemID="{86CD37EC-2B9F-4D64-BA4A-94B17701AD27}">
+<ds:datastoreItem xmlns:ds="http://schemas.openxmlformats.org/officeDocument/2006/customXml" ds:itemID="{63A389DE-AA01-4DDE-9AC8-23AA9A07961D}">
   <ds:schemaRefs>
-    <ds:schemaRef ds:uri="79ddb764-415a-4c38-83b7-908be6382bea"/>
-    <ds:schemaRef ds:uri="http://purl.org/dc/dcmitype/"/>
-    <ds:schemaRef ds:uri="http://purl.org/dc/elements/1.1/"/>
-    <ds:schemaRef ds:uri="http://schemas.openxmlformats.org/package/2006/metadata/core-properties"/>
-    <ds:schemaRef ds:uri="http://schemas.microsoft.com/office/2006/metadata/properties"/>
-    <ds:schemaRef ds:uri="http://purl.org/dc/terms/"/>
-    <ds:schemaRef ds:uri="http://schemas.microsoft.com/office/2006/documentManagement/types"/>
-    <ds:schemaRef ds:uri="http://schemas.microsoft.com/office/infopath/2007/PartnerControls"/>
-    <ds:schemaRef ds:uri="http://www.w3.org/XML/1998/namespace"/>
-    <ds:schemaRef ds:uri="820f9cb1-409d-4c4b-8197-1d4f7dd48124"/>
-    <ds:schemaRef ds:uri="08600313-7276-4ca7-b5d3-7d86193ee0ac"/>
+    <ds:schemaRef ds:uri="http://schemas.microsoft.com/sharepoint/v3/contenttype/forms"/>
   </ds:schemaRefs>
 </ds:datastoreItem>
 </file>
@@ -5201,9 +5162,19 @@
 </file>
 
 <file path=customXml/itemProps3.xml><?xml version="1.0" encoding="utf-8"?>
-<ds:datastoreItem xmlns:ds="http://schemas.openxmlformats.org/officeDocument/2006/customXml" ds:itemID="{63A389DE-AA01-4DDE-9AC8-23AA9A07961D}">
+<ds:datastoreItem xmlns:ds="http://schemas.openxmlformats.org/officeDocument/2006/customXml" ds:itemID="{86CD37EC-2B9F-4D64-BA4A-94B17701AD27}">
   <ds:schemaRefs>
-    <ds:schemaRef ds:uri="http://schemas.microsoft.com/sharepoint/v3/contenttype/forms"/>
+    <ds:schemaRef ds:uri="79ddb764-415a-4c38-83b7-908be6382bea"/>
+    <ds:schemaRef ds:uri="http://purl.org/dc/dcmitype/"/>
+    <ds:schemaRef ds:uri="http://purl.org/dc/elements/1.1/"/>
+    <ds:schemaRef ds:uri="http://schemas.openxmlformats.org/package/2006/metadata/core-properties"/>
+    <ds:schemaRef ds:uri="http://schemas.microsoft.com/office/2006/metadata/properties"/>
+    <ds:schemaRef ds:uri="http://purl.org/dc/terms/"/>
+    <ds:schemaRef ds:uri="http://schemas.microsoft.com/office/2006/documentManagement/types"/>
+    <ds:schemaRef ds:uri="http://schemas.microsoft.com/office/infopath/2007/PartnerControls"/>
+    <ds:schemaRef ds:uri="http://www.w3.org/XML/1998/namespace"/>
+    <ds:schemaRef ds:uri="820f9cb1-409d-4c4b-8197-1d4f7dd48124"/>
+    <ds:schemaRef ds:uri="08600313-7276-4ca7-b5d3-7d86193ee0ac"/>
   </ds:schemaRefs>
 </ds:datastoreItem>
 </file>
--- a/ClassMaterials/SimpleObjects/Slides/Part1-TodaysStartup.pptx
+++ b/ClassMaterials/SimpleObjects/Slides/Part1-TodaysStartup.pptx
@@ -5,13 +5,12 @@
     <p:sldMasterId id="2147483661" r:id="rId4"/>
   </p:sldMasterIdLst>
   <p:notesMasterIdLst>
-    <p:notesMasterId r:id="rId9"/>
+    <p:notesMasterId r:id="rId8"/>
   </p:notesMasterIdLst>
   <p:sldIdLst>
     <p:sldId id="256" r:id="rId5"/>
     <p:sldId id="257" r:id="rId6"/>
-    <p:sldId id="258" r:id="rId7"/>
-    <p:sldId id="259" r:id="rId8"/>
+    <p:sldId id="259" r:id="rId7"/>
   </p:sldIdLst>
   <p:sldSz cx="9144000" cy="6858000" type="screen4x3"/>
   <p:notesSz cx="7315200" cy="9601200"/>
@@ -118,6 +117,14 @@
 </p:presentation>
 </file>
 
+<file path=ppt/revisionInfo.xml><?xml version="1.0" encoding="utf-8"?>
+<p1510:revInfo xmlns:a="http://schemas.openxmlformats.org/drawingml/2006/main" xmlns:r="http://schemas.openxmlformats.org/officeDocument/2006/relationships" xmlns:p1510="http://schemas.microsoft.com/office/powerpoint/2015/10/main">
+  <p1510:revLst>
+    <p1510:client id="{4F34D903-5C51-4354-91FD-01343019241C}" v="1" dt="2023-11-21T15:35:32.512"/>
+  </p1510:revLst>
+</p1510:revInfo>
+</file>
+
 <file path=ppt/changesInfos/changesInfo1.xml><?xml version="1.0" encoding="utf-8"?>
 <pc:chgInfo xmlns:a="http://schemas.openxmlformats.org/drawingml/2006/main" xmlns:r="http://schemas.openxmlformats.org/officeDocument/2006/relationships" xmlns:ac="http://schemas.microsoft.com/office/drawing/2013/main/command" xmlns:pc="http://schemas.microsoft.com/office/powerpoint/2013/main/command">
   <pc:docChgLst>
@@ -141,6 +148,53 @@
             <ac:spMk id="2" creationId="{00000000-0000-0000-0000-000000000000}"/>
           </ac:spMkLst>
         </pc:spChg>
+      </pc:sldChg>
+    </pc:docChg>
+  </pc:docChgLst>
+  <pc:docChgLst>
+    <pc:chgData name="Yoder, Jason" userId="28f4d4d8-da04-4f86-b14d-a21675737bc5" providerId="ADAL" clId="{4F34D903-5C51-4354-91FD-01343019241C}"/>
+    <pc:docChg chg="custSel delSld modSld">
+      <pc:chgData name="Yoder, Jason" userId="28f4d4d8-da04-4f86-b14d-a21675737bc5" providerId="ADAL" clId="{4F34D903-5C51-4354-91FD-01343019241C}" dt="2023-11-21T15:36:59.521" v="24" actId="2696"/>
+      <pc:docMkLst>
+        <pc:docMk/>
+      </pc:docMkLst>
+      <pc:sldChg chg="addSp delSp modSp mod">
+        <pc:chgData name="Yoder, Jason" userId="28f4d4d8-da04-4f86-b14d-a21675737bc5" providerId="ADAL" clId="{4F34D903-5C51-4354-91FD-01343019241C}" dt="2023-11-21T15:36:23.211" v="23" actId="1076"/>
+        <pc:sldMkLst>
+          <pc:docMk/>
+          <pc:sldMk cId="475850554" sldId="256"/>
+        </pc:sldMkLst>
+        <pc:spChg chg="mod">
+          <ac:chgData name="Yoder, Jason" userId="28f4d4d8-da04-4f86-b14d-a21675737bc5" providerId="ADAL" clId="{4F34D903-5C51-4354-91FD-01343019241C}" dt="2023-11-21T15:36:23.211" v="23" actId="1076"/>
+          <ac:spMkLst>
+            <pc:docMk/>
+            <pc:sldMk cId="475850554" sldId="256"/>
+            <ac:spMk id="3" creationId="{51854E33-332D-E678-3875-139AAF40B4A7}"/>
+          </ac:spMkLst>
+        </pc:spChg>
+        <pc:spChg chg="add del mod">
+          <ac:chgData name="Yoder, Jason" userId="28f4d4d8-da04-4f86-b14d-a21675737bc5" providerId="ADAL" clId="{4F34D903-5C51-4354-91FD-01343019241C}" dt="2023-11-21T15:35:40.723" v="4" actId="478"/>
+          <ac:spMkLst>
+            <pc:docMk/>
+            <pc:sldMk cId="475850554" sldId="256"/>
+            <ac:spMk id="6" creationId="{55D4AF07-6744-AF07-4C40-5F09BC75DD40}"/>
+          </ac:spMkLst>
+        </pc:spChg>
+        <pc:spChg chg="mod">
+          <ac:chgData name="Yoder, Jason" userId="28f4d4d8-da04-4f86-b14d-a21675737bc5" providerId="ADAL" clId="{4F34D903-5C51-4354-91FD-01343019241C}" dt="2023-11-21T15:36:12.828" v="19" actId="1076"/>
+          <ac:spMkLst>
+            <pc:docMk/>
+            <pc:sldMk cId="475850554" sldId="256"/>
+            <ac:spMk id="9219" creationId="{00000000-0000-0000-0000-000000000000}"/>
+          </ac:spMkLst>
+        </pc:spChg>
+      </pc:sldChg>
+      <pc:sldChg chg="del">
+        <pc:chgData name="Yoder, Jason" userId="28f4d4d8-da04-4f86-b14d-a21675737bc5" providerId="ADAL" clId="{4F34D903-5C51-4354-91FD-01343019241C}" dt="2023-11-21T15:36:59.521" v="24" actId="2696"/>
+        <pc:sldMkLst>
+          <pc:docMk/>
+          <pc:sldMk cId="3490648585" sldId="258"/>
+        </pc:sldMkLst>
       </pc:sldChg>
     </pc:docChg>
   </pc:docChgLst>
@@ -717,96 +771,6 @@
       </p:grpSpPr>
       <p:sp>
         <p:nvSpPr>
-          <p:cNvPr id="2" name="Slide Image Placeholder 1"/>
-          <p:cNvSpPr>
-            <a:spLocks noGrp="1" noRot="1" noChangeAspect="1"/>
-          </p:cNvSpPr>
-          <p:nvPr>
-            <p:ph type="sldImg"/>
-          </p:nvPr>
-        </p:nvSpPr>
-        <p:spPr/>
-      </p:sp>
-      <p:sp>
-        <p:nvSpPr>
-          <p:cNvPr id="3" name="Notes Placeholder 2"/>
-          <p:cNvSpPr>
-            <a:spLocks noGrp="1"/>
-          </p:cNvSpPr>
-          <p:nvPr>
-            <p:ph type="body" idx="1"/>
-          </p:nvPr>
-        </p:nvSpPr>
-        <p:spPr/>
-        <p:txBody>
-          <a:bodyPr/>
-          <a:lstStyle/>
-          <a:p>
-            <a:endParaRPr lang="en-US"/>
-          </a:p>
-        </p:txBody>
-      </p:sp>
-      <p:sp>
-        <p:nvSpPr>
-          <p:cNvPr id="4" name="Slide Number Placeholder 3"/>
-          <p:cNvSpPr>
-            <a:spLocks noGrp="1"/>
-          </p:cNvSpPr>
-          <p:nvPr>
-            <p:ph type="sldNum" sz="quarter" idx="10"/>
-          </p:nvPr>
-        </p:nvSpPr>
-        <p:spPr/>
-        <p:txBody>
-          <a:bodyPr/>
-          <a:lstStyle/>
-          <a:p>
-            <a:pPr>
-              <a:defRPr/>
-            </a:pPr>
-            <a:fld id="{F3BF035C-C190-4FBE-9474-8535FCFBFED8}" type="slidenum">
-              <a:rPr lang="en-US" smtClean="0"/>
-              <a:pPr>
-                <a:defRPr/>
-              </a:pPr>
-              <a:t>3</a:t>
-            </a:fld>
-            <a:endParaRPr lang="en-US"/>
-          </a:p>
-        </p:txBody>
-      </p:sp>
-    </p:spTree>
-    <p:extLst>
-      <p:ext uri="{BB962C8B-B14F-4D97-AF65-F5344CB8AC3E}">
-        <p14:creationId xmlns:p14="http://schemas.microsoft.com/office/powerpoint/2010/main" val="1339247438"/>
-      </p:ext>
-    </p:extLst>
-  </p:cSld>
-  <p:clrMapOvr>
-    <a:masterClrMapping/>
-  </p:clrMapOvr>
-</p:notes>
-</file>
-
-<file path=ppt/notesSlides/notesSlide4.xml><?xml version="1.0" encoding="utf-8"?>
-<p:notes xmlns:a="http://schemas.openxmlformats.org/drawingml/2006/main" xmlns:r="http://schemas.openxmlformats.org/officeDocument/2006/relationships" xmlns:p="http://schemas.openxmlformats.org/presentationml/2006/main">
-  <p:cSld>
-    <p:spTree>
-      <p:nvGrpSpPr>
-        <p:cNvPr id="1" name=""/>
-        <p:cNvGrpSpPr/>
-        <p:nvPr/>
-      </p:nvGrpSpPr>
-      <p:grpSpPr>
-        <a:xfrm>
-          <a:off x="0" y="0"/>
-          <a:ext cx="0" cy="0"/>
-          <a:chOff x="0" y="0"/>
-          <a:chExt cx="0" cy="0"/>
-        </a:xfrm>
-      </p:grpSpPr>
-      <p:sp>
-        <p:nvSpPr>
           <p:cNvPr id="234" name="PlaceHolder 1"/>
           <p:cNvSpPr>
             <a:spLocks noGrp="1"/>
@@ -883,7 +847,7 @@
                 <a:latin typeface="Calibri"/>
                 <a:ea typeface="+mn-ea"/>
               </a:rPr>
-              <a:t>4</a:t>
+              <a:t>3</a:t>
             </a:fld>
             <a:endParaRPr lang="en-US" sz="1400" b="0" strike="noStrike" spc="-1">
               <a:solidFill>
@@ -1650,7 +1614,7 @@
               <a:pPr>
                 <a:defRPr/>
               </a:pPr>
-              <a:t>Tuesday, March 14, 2023</a:t>
+              <a:t>Tuesday, November 21, 2023</a:t>
             </a:fld>
             <a:endParaRPr lang="en-US"/>
           </a:p>
@@ -1833,7 +1797,7 @@
               <a:pPr>
                 <a:defRPr/>
               </a:pPr>
-              <a:t>Tuesday, March 14, 2023</a:t>
+              <a:t>Tuesday, November 21, 2023</a:t>
             </a:fld>
             <a:endParaRPr lang="en-US"/>
           </a:p>
@@ -3811,7 +3775,12 @@
             <p:ph type="subTitle" idx="1"/>
           </p:nvPr>
         </p:nvSpPr>
-        <p:spPr/>
+        <p:spPr>
+          <a:xfrm>
+            <a:off x="1371600" y="3386031"/>
+            <a:ext cx="6400800" cy="1752600"/>
+          </a:xfrm>
+        </p:spPr>
         <p:txBody>
           <a:bodyPr/>
           <a:lstStyle/>
@@ -3867,8 +3836,8 @@
         </p:nvSpPr>
         <p:spPr>
           <a:xfrm>
-            <a:off x="304800" y="4762500"/>
-            <a:ext cx="8534400" cy="1565186"/>
+            <a:off x="304800" y="4168139"/>
+            <a:ext cx="8534400" cy="2439674"/>
           </a:xfrm>
           <a:prstGeom prst="rect">
             <a:avLst/>
@@ -3949,6 +3918,49 @@
             <a:r>
               <a:rPr lang="en-US" sz="2400" i="1" dirty="0" err="1"/>
               <a:t>PracticeSuperSimpleObjectsBoxAndPointers</a:t>
+            </a:r>
+            <a:endParaRPr lang="en-US" sz="2400" i="1" dirty="0"/>
+          </a:p>
+          <a:p>
+            <a:r>
+              <a:rPr lang="en-US" sz="2400" dirty="0">
+                <a:solidFill>
+                  <a:srgbClr val="FFFFFF"/>
+                </a:solidFill>
+              </a:rPr>
+              <a:t>The </a:t>
+            </a:r>
+            <a:r>
+              <a:rPr lang="en-US" sz="2400" i="1" dirty="0">
+                <a:solidFill>
+                  <a:srgbClr val="FFFFFF"/>
+                </a:solidFill>
+              </a:rPr>
+              <a:t>Quiz</a:t>
+            </a:r>
+            <a:r>
+              <a:rPr lang="en-US" sz="2400" dirty="0">
+                <a:solidFill>
+                  <a:srgbClr val="FFFFFF"/>
+                </a:solidFill>
+              </a:rPr>
+              <a:t> for today is</a:t>
+            </a:r>
+            <a:endParaRPr lang="en-US" sz="2400" i="1" dirty="0">
+              <a:solidFill>
+                <a:srgbClr val="FFFFFF"/>
+              </a:solidFill>
+            </a:endParaRPr>
+          </a:p>
+          <a:p>
+            <a:pPr marL="298450" lvl="0"/>
+            <a:r>
+              <a:rPr lang="en-US" sz="2400" i="1" dirty="0" err="1">
+                <a:solidFill>
+                  <a:srgbClr val="FFFFFF"/>
+                </a:solidFill>
+              </a:rPr>
+              <a:t>SimpleObjectsQuiz</a:t>
             </a:r>
             <a:endParaRPr lang="en-US" sz="2400" i="1" dirty="0"/>
           </a:p>
@@ -4156,127 +4168,6 @@
 </file>
 
 <file path=ppt/slides/slide3.xml><?xml version="1.0" encoding="utf-8"?>
-<p:sld xmlns:a="http://schemas.openxmlformats.org/drawingml/2006/main" xmlns:r="http://schemas.openxmlformats.org/officeDocument/2006/relationships" xmlns:p="http://schemas.openxmlformats.org/presentationml/2006/main">
-  <p:cSld>
-    <p:spTree>
-      <p:nvGrpSpPr>
-        <p:cNvPr id="1" name=""/>
-        <p:cNvGrpSpPr/>
-        <p:nvPr/>
-      </p:nvGrpSpPr>
-      <p:grpSpPr>
-        <a:xfrm>
-          <a:off x="0" y="0"/>
-          <a:ext cx="0" cy="0"/>
-          <a:chOff x="0" y="0"/>
-          <a:chExt cx="0" cy="0"/>
-        </a:xfrm>
-      </p:grpSpPr>
-      <p:sp>
-        <p:nvSpPr>
-          <p:cNvPr id="2" name="Title 1"/>
-          <p:cNvSpPr>
-            <a:spLocks noGrp="1"/>
-          </p:cNvSpPr>
-          <p:nvPr>
-            <p:ph type="title"/>
-          </p:nvPr>
-        </p:nvSpPr>
-        <p:spPr/>
-        <p:txBody>
-          <a:bodyPr/>
-          <a:lstStyle/>
-          <a:p>
-            <a:r>
-              <a:rPr lang="en-US" dirty="0" err="1"/>
-              <a:t>HWMaps</a:t>
-            </a:r>
-            <a:endParaRPr lang="en-US" dirty="0"/>
-          </a:p>
-        </p:txBody>
-      </p:sp>
-      <p:sp>
-        <p:nvSpPr>
-          <p:cNvPr id="3" name="Content Placeholder 2"/>
-          <p:cNvSpPr>
-            <a:spLocks noGrp="1"/>
-          </p:cNvSpPr>
-          <p:nvPr>
-            <p:ph idx="1"/>
-          </p:nvPr>
-        </p:nvSpPr>
-        <p:spPr>
-          <a:xfrm>
-            <a:off x="446183" y="3260993"/>
-            <a:ext cx="8229240" cy="2313924"/>
-          </a:xfrm>
-        </p:spPr>
-        <p:txBody>
-          <a:bodyPr/>
-          <a:lstStyle/>
-          <a:p>
-            <a:r>
-              <a:rPr lang="en-US"/>
-              <a:t>Collaborate with a partner on exactly 1 of the operations</a:t>
-            </a:r>
-          </a:p>
-          <a:p>
-            <a:r>
-              <a:rPr lang="en-US"/>
-              <a:t>Draw a few map diagrams for test data for </a:t>
-            </a:r>
-            <a:r>
-              <a:rPr lang="en-US" i="1" err="1"/>
-              <a:t>getNumberOfCoursesToTake</a:t>
-            </a:r>
-            <a:endParaRPr lang="en-US" i="1"/>
-          </a:p>
-        </p:txBody>
-      </p:sp>
-      <p:pic>
-        <p:nvPicPr>
-          <p:cNvPr id="4" name="Picture 3">
-            <a:extLst>
-              <a:ext uri="{FF2B5EF4-FFF2-40B4-BE49-F238E27FC236}">
-                <a16:creationId xmlns:a16="http://schemas.microsoft.com/office/drawing/2014/main" id="{8EAB44CF-A3F6-4B4C-BC3A-0AA56C34627F}"/>
-              </a:ext>
-            </a:extLst>
-          </p:cNvPr>
-          <p:cNvPicPr>
-            <a:picLocks noChangeAspect="1"/>
-          </p:cNvPicPr>
-          <p:nvPr/>
-        </p:nvPicPr>
-        <p:blipFill>
-          <a:blip r:embed="rId3"/>
-          <a:stretch>
-            <a:fillRect/>
-          </a:stretch>
-        </p:blipFill>
-        <p:spPr>
-          <a:xfrm>
-            <a:off x="901547" y="1364562"/>
-            <a:ext cx="7010400" cy="1727200"/>
-          </a:xfrm>
-          <a:prstGeom prst="rect">
-            <a:avLst/>
-          </a:prstGeom>
-        </p:spPr>
-      </p:pic>
-    </p:spTree>
-    <p:extLst>
-      <p:ext uri="{BB962C8B-B14F-4D97-AF65-F5344CB8AC3E}">
-        <p14:creationId xmlns:p14="http://schemas.microsoft.com/office/powerpoint/2010/main" val="3490648585"/>
-      </p:ext>
-    </p:extLst>
-  </p:cSld>
-  <p:clrMapOvr>
-    <a:masterClrMapping/>
-  </p:clrMapOvr>
-</p:sld>
-</file>
-
-<file path=ppt/slides/slide4.xml><?xml version="1.0" encoding="utf-8"?>
 <p:sld xmlns:a="http://schemas.openxmlformats.org/drawingml/2006/main" xmlns:r="http://schemas.openxmlformats.org/officeDocument/2006/relationships" xmlns:p="http://schemas.openxmlformats.org/presentationml/2006/main">
   <p:cSld>
     <p:spTree>
@@ -4946,12 +4837,14 @@
 </file>
 
 <file path=customXml/item1.xml><?xml version="1.0" encoding="utf-8"?>
-<?mso-contentType ?>
-<FormTemplates xmlns="http://schemas.microsoft.com/sharepoint/v3/contenttype/forms">
-  <Display>DocumentLibraryForm</Display>
-  <Edit>DocumentLibraryForm</Edit>
-  <New>DocumentLibraryForm</New>
-</FormTemplates>
+<p:properties xmlns:p="http://schemas.microsoft.com/office/2006/metadata/properties" xmlns:xsi="http://www.w3.org/2001/XMLSchema-instance" xmlns:pc="http://schemas.microsoft.com/office/infopath/2007/PartnerControls">
+  <documentManagement>
+    <TaxCatchAll xmlns="820f9cb1-409d-4c4b-8197-1d4f7dd48124" xsi:nil="true"/>
+    <lcf76f155ced4ddcb4097134ff3c332f xmlns="08600313-7276-4ca7-b5d3-7d86193ee0ac">
+      <Terms xmlns="http://schemas.microsoft.com/office/infopath/2007/PartnerControls"/>
+    </lcf76f155ced4ddcb4097134ff3c332f>
+  </documentManagement>
+</p:properties>
 </file>
 
 <file path=customXml/item2.xml><?xml version="1.0" encoding="utf-8"?>
@@ -5124,20 +5017,28 @@
 </file>
 
 <file path=customXml/item3.xml><?xml version="1.0" encoding="utf-8"?>
-<p:properties xmlns:p="http://schemas.microsoft.com/office/2006/metadata/properties" xmlns:xsi="http://www.w3.org/2001/XMLSchema-instance" xmlns:pc="http://schemas.microsoft.com/office/infopath/2007/PartnerControls">
-  <documentManagement>
-    <TaxCatchAll xmlns="820f9cb1-409d-4c4b-8197-1d4f7dd48124" xsi:nil="true"/>
-    <lcf76f155ced4ddcb4097134ff3c332f xmlns="08600313-7276-4ca7-b5d3-7d86193ee0ac">
-      <Terms xmlns="http://schemas.microsoft.com/office/infopath/2007/PartnerControls"/>
-    </lcf76f155ced4ddcb4097134ff3c332f>
-  </documentManagement>
-</p:properties>
+<?mso-contentType ?>
+<FormTemplates xmlns="http://schemas.microsoft.com/sharepoint/v3/contenttype/forms">
+  <Display>DocumentLibraryForm</Display>
+  <Edit>DocumentLibraryForm</Edit>
+  <New>DocumentLibraryForm</New>
+</FormTemplates>
 </file>
 
 <file path=customXml/itemProps1.xml><?xml version="1.0" encoding="utf-8"?>
-<ds:datastoreItem xmlns:ds="http://schemas.openxmlformats.org/officeDocument/2006/customXml" ds:itemID="{63A389DE-AA01-4DDE-9AC8-23AA9A07961D}">
+<ds:datastoreItem xmlns:ds="http://schemas.openxmlformats.org/officeDocument/2006/customXml" ds:itemID="{86CD37EC-2B9F-4D64-BA4A-94B17701AD27}">
   <ds:schemaRefs>
-    <ds:schemaRef ds:uri="http://schemas.microsoft.com/sharepoint/v3/contenttype/forms"/>
+    <ds:schemaRef ds:uri="79ddb764-415a-4c38-83b7-908be6382bea"/>
+    <ds:schemaRef ds:uri="http://purl.org/dc/dcmitype/"/>
+    <ds:schemaRef ds:uri="http://purl.org/dc/elements/1.1/"/>
+    <ds:schemaRef ds:uri="http://schemas.openxmlformats.org/package/2006/metadata/core-properties"/>
+    <ds:schemaRef ds:uri="http://schemas.microsoft.com/office/2006/metadata/properties"/>
+    <ds:schemaRef ds:uri="http://purl.org/dc/terms/"/>
+    <ds:schemaRef ds:uri="http://schemas.microsoft.com/office/2006/documentManagement/types"/>
+    <ds:schemaRef ds:uri="http://schemas.microsoft.com/office/infopath/2007/PartnerControls"/>
+    <ds:schemaRef ds:uri="http://www.w3.org/XML/1998/namespace"/>
+    <ds:schemaRef ds:uri="820f9cb1-409d-4c4b-8197-1d4f7dd48124"/>
+    <ds:schemaRef ds:uri="08600313-7276-4ca7-b5d3-7d86193ee0ac"/>
   </ds:schemaRefs>
 </ds:datastoreItem>
 </file>
@@ -5162,19 +5063,9 @@
 </file>
 
 <file path=customXml/itemProps3.xml><?xml version="1.0" encoding="utf-8"?>
-<ds:datastoreItem xmlns:ds="http://schemas.openxmlformats.org/officeDocument/2006/customXml" ds:itemID="{86CD37EC-2B9F-4D64-BA4A-94B17701AD27}">
+<ds:datastoreItem xmlns:ds="http://schemas.openxmlformats.org/officeDocument/2006/customXml" ds:itemID="{63A389DE-AA01-4DDE-9AC8-23AA9A07961D}">
   <ds:schemaRefs>
-    <ds:schemaRef ds:uri="79ddb764-415a-4c38-83b7-908be6382bea"/>
-    <ds:schemaRef ds:uri="http://purl.org/dc/dcmitype/"/>
-    <ds:schemaRef ds:uri="http://purl.org/dc/elements/1.1/"/>
-    <ds:schemaRef ds:uri="http://schemas.openxmlformats.org/package/2006/metadata/core-properties"/>
-    <ds:schemaRef ds:uri="http://schemas.microsoft.com/office/2006/metadata/properties"/>
-    <ds:schemaRef ds:uri="http://purl.org/dc/terms/"/>
-    <ds:schemaRef ds:uri="http://schemas.microsoft.com/office/2006/documentManagement/types"/>
-    <ds:schemaRef ds:uri="http://schemas.microsoft.com/office/infopath/2007/PartnerControls"/>
-    <ds:schemaRef ds:uri="http://www.w3.org/XML/1998/namespace"/>
-    <ds:schemaRef ds:uri="820f9cb1-409d-4c4b-8197-1d4f7dd48124"/>
-    <ds:schemaRef ds:uri="08600313-7276-4ca7-b5d3-7d86193ee0ac"/>
+    <ds:schemaRef ds:uri="http://schemas.microsoft.com/sharepoint/v3/contenttype/forms"/>
   </ds:schemaRefs>
 </ds:datastoreItem>
 </file>
--- a/ClassMaterials/SimpleObjects/Slides/Part1-TodaysStartup.pptx
+++ b/ClassMaterials/SimpleObjects/Slides/Part1-TodaysStartup.pptx
@@ -128,30 +128,6 @@
 <file path=ppt/changesInfos/changesInfo1.xml><?xml version="1.0" encoding="utf-8"?>
 <pc:chgInfo xmlns:a="http://schemas.openxmlformats.org/drawingml/2006/main" xmlns:r="http://schemas.openxmlformats.org/officeDocument/2006/relationships" xmlns:ac="http://schemas.microsoft.com/office/drawing/2013/main/command" xmlns:pc="http://schemas.microsoft.com/office/powerpoint/2013/main/command">
   <pc:docChgLst>
-    <pc:chgData name="Hollingsworth, Joseph" userId="6338ef61-550f-4a52-a8a3-bd9025908f10" providerId="ADAL" clId="{E3941778-3D8E-4C4D-BB2E-D923BB903C41}"/>
-    <pc:docChg chg="modSld">
-      <pc:chgData name="Hollingsworth, Joseph" userId="6338ef61-550f-4a52-a8a3-bd9025908f10" providerId="ADAL" clId="{E3941778-3D8E-4C4D-BB2E-D923BB903C41}" dt="2022-03-15T12:32:08.030" v="3" actId="6549"/>
-      <pc:docMkLst>
-        <pc:docMk/>
-      </pc:docMkLst>
-      <pc:sldChg chg="modSp mod">
-        <pc:chgData name="Hollingsworth, Joseph" userId="6338ef61-550f-4a52-a8a3-bd9025908f10" providerId="ADAL" clId="{E3941778-3D8E-4C4D-BB2E-D923BB903C41}" dt="2022-03-15T12:32:08.030" v="3" actId="6549"/>
-        <pc:sldMkLst>
-          <pc:docMk/>
-          <pc:sldMk cId="3490648585" sldId="258"/>
-        </pc:sldMkLst>
-        <pc:spChg chg="mod">
-          <ac:chgData name="Hollingsworth, Joseph" userId="6338ef61-550f-4a52-a8a3-bd9025908f10" providerId="ADAL" clId="{E3941778-3D8E-4C4D-BB2E-D923BB903C41}" dt="2022-03-15T12:32:08.030" v="3" actId="6549"/>
-          <ac:spMkLst>
-            <pc:docMk/>
-            <pc:sldMk cId="3490648585" sldId="258"/>
-            <ac:spMk id="2" creationId="{00000000-0000-0000-0000-000000000000}"/>
-          </ac:spMkLst>
-        </pc:spChg>
-      </pc:sldChg>
-    </pc:docChg>
-  </pc:docChgLst>
-  <pc:docChgLst>
     <pc:chgData name="Yoder, Jason" userId="28f4d4d8-da04-4f86-b14d-a21675737bc5" providerId="ADAL" clId="{4F34D903-5C51-4354-91FD-01343019241C}"/>
     <pc:docChg chg="custSel delSld modSld">
       <pc:chgData name="Yoder, Jason" userId="28f4d4d8-da04-4f86-b14d-a21675737bc5" providerId="ADAL" clId="{4F34D903-5C51-4354-91FD-01343019241C}" dt="2023-11-21T15:36:59.521" v="24" actId="2696"/>
@@ -195,6 +171,30 @@
           <pc:docMk/>
           <pc:sldMk cId="3490648585" sldId="258"/>
         </pc:sldMkLst>
+      </pc:sldChg>
+    </pc:docChg>
+  </pc:docChgLst>
+  <pc:docChgLst>
+    <pc:chgData name="Hollingsworth, Joseph" userId="6338ef61-550f-4a52-a8a3-bd9025908f10" providerId="ADAL" clId="{E3941778-3D8E-4C4D-BB2E-D923BB903C41}"/>
+    <pc:docChg chg="modSld">
+      <pc:chgData name="Hollingsworth, Joseph" userId="6338ef61-550f-4a52-a8a3-bd9025908f10" providerId="ADAL" clId="{E3941778-3D8E-4C4D-BB2E-D923BB903C41}" dt="2022-03-15T12:32:08.030" v="3" actId="6549"/>
+      <pc:docMkLst>
+        <pc:docMk/>
+      </pc:docMkLst>
+      <pc:sldChg chg="modSp mod">
+        <pc:chgData name="Hollingsworth, Joseph" userId="6338ef61-550f-4a52-a8a3-bd9025908f10" providerId="ADAL" clId="{E3941778-3D8E-4C4D-BB2E-D923BB903C41}" dt="2022-03-15T12:32:08.030" v="3" actId="6549"/>
+        <pc:sldMkLst>
+          <pc:docMk/>
+          <pc:sldMk cId="3490648585" sldId="258"/>
+        </pc:sldMkLst>
+        <pc:spChg chg="mod">
+          <ac:chgData name="Hollingsworth, Joseph" userId="6338ef61-550f-4a52-a8a3-bd9025908f10" providerId="ADAL" clId="{E3941778-3D8E-4C4D-BB2E-D923BB903C41}" dt="2022-03-15T12:32:08.030" v="3" actId="6549"/>
+          <ac:spMkLst>
+            <pc:docMk/>
+            <pc:sldMk cId="3490648585" sldId="258"/>
+            <ac:spMk id="2" creationId="{00000000-0000-0000-0000-000000000000}"/>
+          </ac:spMkLst>
+        </pc:spChg>
       </pc:sldChg>
     </pc:docChg>
   </pc:docChgLst>
@@ -614,12 +614,58 @@
           <a:bodyPr/>
           <a:lstStyle/>
           <a:p>
+            <a:pPr marL="0" marR="0" lvl="0" indent="0" algn="l" defTabSz="914400" rtl="0" eaLnBrk="1" fontAlgn="auto" latinLnBrk="0" hangingPunct="1">
+              <a:lnSpc>
+                <a:spcPct val="100000"/>
+              </a:lnSpc>
+              <a:spcBef>
+                <a:spcPct val="0"/>
+              </a:spcBef>
+              <a:spcAft>
+                <a:spcPts val="0"/>
+              </a:spcAft>
+              <a:buClrTx/>
+              <a:buSzTx/>
+              <a:buFontTx/>
+              <a:buNone/>
+              <a:tabLst/>
+              <a:defRPr/>
+            </a:pPr>
+            <a:r>
+              <a:rPr lang="en-US" dirty="0"/>
+              <a:t>JAY: Introduce FOURTH row today (Identity Pie)</a:t>
+            </a:r>
+          </a:p>
+          <a:p>
+            <a:pPr marL="0" marR="0" lvl="0" indent="0" algn="l" defTabSz="914400" rtl="0" eaLnBrk="1" fontAlgn="auto" latinLnBrk="0" hangingPunct="1">
+              <a:lnSpc>
+                <a:spcPct val="100000"/>
+              </a:lnSpc>
+              <a:spcBef>
+                <a:spcPct val="0"/>
+              </a:spcBef>
+              <a:spcAft>
+                <a:spcPts val="0"/>
+              </a:spcAft>
+              <a:buClrTx/>
+              <a:buSzTx/>
+              <a:buFontTx/>
+              <a:buNone/>
+              <a:tabLst/>
+              <a:defRPr/>
+            </a:pPr>
+            <a:r>
+              <a:rPr lang="en-US"/>
+              <a:t>Aim to start quiz with 5+ minutes to spare in the first hour.</a:t>
+            </a:r>
+          </a:p>
+          <a:p>
             <a:pPr eaLnBrk="1" hangingPunct="1">
               <a:spcBef>
                 <a:spcPct val="0"/>
               </a:spcBef>
             </a:pPr>
-            <a:endParaRPr lang="en-US"/>
+            <a:endParaRPr lang="en-US" dirty="0"/>
           </a:p>
         </p:txBody>
       </p:sp>
@@ -792,17 +838,34 @@
           <a:bodyPr lIns="96480" tIns="48240" rIns="96480" bIns="48240"/>
           <a:lstStyle/>
           <a:p>
-            <a:endParaRPr lang="en-US" sz="2000" b="0" strike="noStrike" spc="-1">
-              <a:solidFill>
-                <a:srgbClr val="000000"/>
-              </a:solidFill>
-              <a:uFill>
-                <a:solidFill>
-                  <a:srgbClr val="FFFFFF"/>
-                </a:solidFill>
-              </a:uFill>
-              <a:latin typeface="Arial"/>
-            </a:endParaRPr>
+            <a:r>
+              <a:rPr lang="en-US" sz="2000" b="0" strike="noStrike" spc="-1" dirty="0">
+                <a:solidFill>
+                  <a:srgbClr val="000000"/>
+                </a:solidFill>
+                <a:uFill>
+                  <a:solidFill>
+                    <a:srgbClr val="FFFFFF"/>
+                  </a:solidFill>
+                </a:uFill>
+                <a:latin typeface="Arial"/>
+              </a:rPr>
+              <a:t>Live code the solution with them, you can intentionally leave in a bug by now initializing the HashMap and then use the debugger to trace through and see </a:t>
+            </a:r>
+            <a:r>
+              <a:rPr lang="en-US" sz="2000" b="0" strike="noStrike" spc="-1">
+                <a:solidFill>
+                  <a:srgbClr val="000000"/>
+                </a:solidFill>
+                <a:uFill>
+                  <a:solidFill>
+                    <a:srgbClr val="FFFFFF"/>
+                  </a:solidFill>
+                </a:uFill>
+                <a:latin typeface="Arial"/>
+              </a:rPr>
+              <a:t>what happens</a:t>
+            </a:r>
           </a:p>
         </p:txBody>
       </p:sp>
@@ -1614,7 +1677,7 @@
               <a:pPr>
                 <a:defRPr/>
               </a:pPr>
-              <a:t>Tuesday, November 21, 2023</a:t>
+              <a:t>Monday, February 26, 2024</a:t>
             </a:fld>
             <a:endParaRPr lang="en-US"/>
           </a:p>
@@ -1797,7 +1860,7 @@
               <a:pPr>
                 <a:defRPr/>
               </a:pPr>
-              <a:t>Tuesday, November 21, 2023</a:t>
+              <a:t>Monday, February 26, 2024</a:t>
             </a:fld>
             <a:endParaRPr lang="en-US"/>
           </a:p>
@@ -4027,7 +4090,7 @@
                   <a:srgbClr val="FFFF00"/>
                 </a:highlight>
               </a:rPr>
-              <a:t>__________</a:t>
+              <a:t>___________</a:t>
             </a:r>
           </a:p>
         </p:txBody>

--- a/ClassMaterials/SimpleObjects/Slides/Part1-TodaysStartup.pptx
+++ b/ClassMaterials/SimpleObjects/Slides/Part1-TodaysStartup.pptx
@@ -1677,7 +1677,7 @@
               <a:pPr>
                 <a:defRPr/>
               </a:pPr>
-              <a:t>Monday, February 26, 2024</a:t>
+              <a:t>Friday, March 14, 2025</a:t>
             </a:fld>
             <a:endParaRPr lang="en-US"/>
           </a:p>
@@ -1860,7 +1860,7 @@
               <a:pPr>
                 <a:defRPr/>
               </a:pPr>
-              <a:t>Monday, February 26, 2024</a:t>
+              <a:t>Friday, March 14, 2025</a:t>
             </a:fld>
             <a:endParaRPr lang="en-US"/>
           </a:p>
@@ -4085,13 +4085,18 @@
           </a:p>
           <a:p>
             <a:r>
-              <a:rPr lang="en-US" sz="4400" dirty="0">
+              <a:rPr lang="en-US" sz="4400" dirty="0" err="1">
                 <a:highlight>
                   <a:srgbClr val="FFFF00"/>
                 </a:highlight>
               </a:rPr>
-              <a:t>___________</a:t>
-            </a:r>
+              <a:t>simpleClasses</a:t>
+            </a:r>
+            <a:endParaRPr lang="en-US" sz="4400" dirty="0">
+              <a:highlight>
+                <a:srgbClr val="FFFF00"/>
+              </a:highlight>
+            </a:endParaRPr>
           </a:p>
         </p:txBody>
       </p:sp>
@@ -4911,6 +4916,15 @@
 </file>
 
 <file path=customXml/item2.xml><?xml version="1.0" encoding="utf-8"?>
+<?mso-contentType ?>
+<FormTemplates xmlns="http://schemas.microsoft.com/sharepoint/v3/contenttype/forms">
+  <Display>DocumentLibraryForm</Display>
+  <Edit>DocumentLibraryForm</Edit>
+  <New>DocumentLibraryForm</New>
+</FormTemplates>
+</file>
+
+<file path=customXml/item3.xml><?xml version="1.0" encoding="utf-8"?>
 <ct:contentTypeSchema xmlns:ct="http://schemas.microsoft.com/office/2006/metadata/contentType" xmlns:ma="http://schemas.microsoft.com/office/2006/metadata/properties/metaAttributes" ct:_="" ma:_="" ma:contentTypeName="Document" ma:contentTypeID="0x0101004285D81DBE5F5A448E892B34D6B8CF20" ma:contentTypeVersion="7" ma:contentTypeDescription="Create a new document." ma:contentTypeScope="" ma:versionID="5d1eb4e46a89551cacffd71f81775a5c">
   <xsd:schema xmlns:xsd="http://www.w3.org/2001/XMLSchema" xmlns:xs="http://www.w3.org/2001/XMLSchema" xmlns:p="http://schemas.microsoft.com/office/2006/metadata/properties" xmlns:ns2="08600313-7276-4ca7-b5d3-7d86193ee0ac" xmlns:ns3="820f9cb1-409d-4c4b-8197-1d4f7dd48124" targetNamespace="http://schemas.microsoft.com/office/2006/metadata/properties" ma:root="true" ma:fieldsID="88f943689c6eba50ac915d805157f594" ns2:_="" ns3:_="">
     <xsd:import namespace="08600313-7276-4ca7-b5d3-7d86193ee0ac"/>
@@ -5079,15 +5093,6 @@
 </ct:contentTypeSchema>
 </file>
 
-<file path=customXml/item3.xml><?xml version="1.0" encoding="utf-8"?>
-<?mso-contentType ?>
-<FormTemplates xmlns="http://schemas.microsoft.com/sharepoint/v3/contenttype/forms">
-  <Display>DocumentLibraryForm</Display>
-  <Edit>DocumentLibraryForm</Edit>
-  <New>DocumentLibraryForm</New>
-</FormTemplates>
-</file>
-
 <file path=customXml/itemProps1.xml><?xml version="1.0" encoding="utf-8"?>
 <ds:datastoreItem xmlns:ds="http://schemas.openxmlformats.org/officeDocument/2006/customXml" ds:itemID="{86CD37EC-2B9F-4D64-BA4A-94B17701AD27}">
   <ds:schemaRefs>
@@ -5107,6 +5112,14 @@
 </file>
 
 <file path=customXml/itemProps2.xml><?xml version="1.0" encoding="utf-8"?>
+<ds:datastoreItem xmlns:ds="http://schemas.openxmlformats.org/officeDocument/2006/customXml" ds:itemID="{63A389DE-AA01-4DDE-9AC8-23AA9A07961D}">
+  <ds:schemaRefs>
+    <ds:schemaRef ds:uri="http://schemas.microsoft.com/sharepoint/v3/contenttype/forms"/>
+  </ds:schemaRefs>
+</ds:datastoreItem>
+</file>
+
+<file path=customXml/itemProps3.xml><?xml version="1.0" encoding="utf-8"?>
 <ds:datastoreItem xmlns:ds="http://schemas.openxmlformats.org/officeDocument/2006/customXml" ds:itemID="{84DAE545-BE9D-4229-851A-C94DD8292B95}">
   <ds:schemaRefs>
     <ds:schemaRef ds:uri="http://schemas.microsoft.com/office/2006/metadata/contentType"/>
@@ -5123,12 +5136,4 @@
     <ds:schemaRef ds:uri="http://schemas.microsoft.com/internal/obd"/>
   </ds:schemaRefs>
 </ds:datastoreItem>
-</file>
-
-<file path=customXml/itemProps3.xml><?xml version="1.0" encoding="utf-8"?>
-<ds:datastoreItem xmlns:ds="http://schemas.openxmlformats.org/officeDocument/2006/customXml" ds:itemID="{63A389DE-AA01-4DDE-9AC8-23AA9A07961D}">
-  <ds:schemaRefs>
-    <ds:schemaRef ds:uri="http://schemas.microsoft.com/sharepoint/v3/contenttype/forms"/>
-  </ds:schemaRefs>
-</ds:datastoreItem>
 </file>
--- a/ClassMaterials/SimpleObjects/Slides/Part1-TodaysStartup.pptx
+++ b/ClassMaterials/SimpleObjects/Slides/Part1-TodaysStartup.pptx
@@ -1677,7 +1677,7 @@
               <a:pPr>
                 <a:defRPr/>
               </a:pPr>
-              <a:t>Friday, March 14, 2025</a:t>
+              <a:t>Monday, April 21, 2025</a:t>
             </a:fld>
             <a:endParaRPr lang="en-US"/>
           </a:p>
@@ -1860,7 +1860,7 @@
               <a:pPr>
                 <a:defRPr/>
               </a:pPr>
-              <a:t>Friday, March 14, 2025</a:t>
+              <a:t>Monday, April 21, 2025</a:t>
             </a:fld>
             <a:endParaRPr lang="en-US"/>
           </a:p>
@@ -4029,77 +4029,6 @@
           </a:p>
         </p:txBody>
       </p:sp>
-      <p:sp>
-        <p:nvSpPr>
-          <p:cNvPr id="4" name="TextBox 3">
-            <a:extLst>
-              <a:ext uri="{FF2B5EF4-FFF2-40B4-BE49-F238E27FC236}">
-                <a16:creationId xmlns:a16="http://schemas.microsoft.com/office/drawing/2014/main" id="{88299B38-4E01-0C8D-B27E-24B46DF57E87}"/>
-              </a:ext>
-            </a:extLst>
-          </p:cNvPr>
-          <p:cNvSpPr txBox="1"/>
-          <p:nvPr/>
-        </p:nvSpPr>
-        <p:spPr>
-          <a:xfrm>
-            <a:off x="4038600" y="672930"/>
-            <a:ext cx="4619625" cy="1046440"/>
-          </a:xfrm>
-          <a:prstGeom prst="rect">
-            <a:avLst/>
-          </a:prstGeom>
-          <a:noFill/>
-          <a:ln w="12700" cap="flat">
-            <a:noFill/>
-            <a:miter lim="400000"/>
-          </a:ln>
-          <a:effectLst/>
-        </p:spPr>
-        <p:style>
-          <a:lnRef idx="0">
-            <a:scrgbClr r="0" g="0" b="0"/>
-          </a:lnRef>
-          <a:fillRef idx="0">
-            <a:scrgbClr r="0" g="0" b="0"/>
-          </a:fillRef>
-          <a:effectRef idx="0">
-            <a:scrgbClr r="0" g="0" b="0"/>
-          </a:effectRef>
-          <a:fontRef idx="none"/>
-        </p:style>
-        <p:txBody>
-          <a:bodyPr wrap="square">
-            <a:spAutoFit/>
-          </a:bodyPr>
-          <a:lstStyle/>
-          <a:p>
-            <a:r>
-              <a:rPr lang="en-US" dirty="0">
-                <a:highlight>
-                  <a:srgbClr val="FFFF00"/>
-                </a:highlight>
-              </a:rPr>
-              <a:t>Today’s Attendance password</a:t>
-            </a:r>
-          </a:p>
-          <a:p>
-            <a:r>
-              <a:rPr lang="en-US" sz="4400" dirty="0" err="1">
-                <a:highlight>
-                  <a:srgbClr val="FFFF00"/>
-                </a:highlight>
-              </a:rPr>
-              <a:t>simpleClasses</a:t>
-            </a:r>
-            <a:endParaRPr lang="en-US" sz="4400" dirty="0">
-              <a:highlight>
-                <a:srgbClr val="FFFF00"/>
-              </a:highlight>
-            </a:endParaRPr>
-          </a:p>
-        </p:txBody>
-      </p:sp>
       <p:pic>
         <p:nvPicPr>
           <p:cNvPr id="5" name="Picture 4">
@@ -4130,6 +4059,69 @@
           </a:prstGeom>
         </p:spPr>
       </p:pic>
+      <p:sp>
+        <p:nvSpPr>
+          <p:cNvPr id="6" name="Shape 54">
+            <a:extLst>
+              <a:ext uri="{FF2B5EF4-FFF2-40B4-BE49-F238E27FC236}">
+                <a16:creationId xmlns:a16="http://schemas.microsoft.com/office/drawing/2014/main" id="{BC5C59A5-85D7-8ED1-1D8A-74AC3E0BE8FF}"/>
+              </a:ext>
+            </a:extLst>
+          </p:cNvPr>
+          <p:cNvSpPr/>
+          <p:nvPr/>
+        </p:nvSpPr>
+        <p:spPr>
+          <a:xfrm>
+            <a:off x="5539154" y="209686"/>
+            <a:ext cx="3346430" cy="738664"/>
+          </a:xfrm>
+          <a:prstGeom prst="rect">
+            <a:avLst/>
+          </a:prstGeom>
+          <a:solidFill>
+            <a:srgbClr val="9BBB59"/>
+          </a:solidFill>
+          <a:ln w="25400" cap="rnd">
+            <a:solidFill>
+              <a:srgbClr val="718841"/>
+            </a:solidFill>
+          </a:ln>
+          <a:extLst>
+            <a:ext uri="{C572A759-6A51-4108-AA02-DFA0A04FC94B}">
+              <ma14:wrappingTextBoxFlag xmlns:ma14="http://schemas.microsoft.com/office/mac/drawingml/2011/main" xmlns="" val="1"/>
+            </a:ext>
+          </a:extLst>
+        </p:spPr>
+        <p:txBody>
+          <a:bodyPr wrap="square" lIns="0" tIns="0" rIns="0" bIns="0">
+            <a:spAutoFit/>
+          </a:bodyPr>
+          <a:lstStyle/>
+          <a:p>
+            <a:pPr lvl="0"/>
+            <a:r>
+              <a:rPr lang="en-US" sz="2400" i="1" dirty="0">
+                <a:solidFill>
+                  <a:srgbClr val="FFFFFF"/>
+                </a:solidFill>
+              </a:rPr>
+              <a:t> Attendance password    </a:t>
+            </a:r>
+          </a:p>
+          <a:p>
+            <a:pPr lvl="0"/>
+            <a:r>
+              <a:rPr lang="en-US" sz="2400" i="1" dirty="0">
+                <a:solidFill>
+                  <a:srgbClr val="FFFFFF"/>
+                </a:solidFill>
+              </a:rPr>
+              <a:t> is written on the board</a:t>
+            </a:r>
+          </a:p>
+        </p:txBody>
+      </p:sp>
     </p:spTree>
     <p:extLst>
       <p:ext uri="{BB962C8B-B14F-4D97-AF65-F5344CB8AC3E}">
@@ -4905,26 +4897,6 @@
 </file>
 
 <file path=customXml/item1.xml><?xml version="1.0" encoding="utf-8"?>
-<p:properties xmlns:p="http://schemas.microsoft.com/office/2006/metadata/properties" xmlns:xsi="http://www.w3.org/2001/XMLSchema-instance" xmlns:pc="http://schemas.microsoft.com/office/infopath/2007/PartnerControls">
-  <documentManagement>
-    <TaxCatchAll xmlns="820f9cb1-409d-4c4b-8197-1d4f7dd48124" xsi:nil="true"/>
-    <lcf76f155ced4ddcb4097134ff3c332f xmlns="08600313-7276-4ca7-b5d3-7d86193ee0ac">
-      <Terms xmlns="http://schemas.microsoft.com/office/infopath/2007/PartnerControls"/>
-    </lcf76f155ced4ddcb4097134ff3c332f>
-  </documentManagement>
-</p:properties>
-</file>
-
-<file path=customXml/item2.xml><?xml version="1.0" encoding="utf-8"?>
-<?mso-contentType ?>
-<FormTemplates xmlns="http://schemas.microsoft.com/sharepoint/v3/contenttype/forms">
-  <Display>DocumentLibraryForm</Display>
-  <Edit>DocumentLibraryForm</Edit>
-  <New>DocumentLibraryForm</New>
-</FormTemplates>
-</file>
-
-<file path=customXml/item3.xml><?xml version="1.0" encoding="utf-8"?>
 <ct:contentTypeSchema xmlns:ct="http://schemas.microsoft.com/office/2006/metadata/contentType" xmlns:ma="http://schemas.microsoft.com/office/2006/metadata/properties/metaAttributes" ct:_="" ma:_="" ma:contentTypeName="Document" ma:contentTypeID="0x0101004285D81DBE5F5A448E892B34D6B8CF20" ma:contentTypeVersion="7" ma:contentTypeDescription="Create a new document." ma:contentTypeScope="" ma:versionID="5d1eb4e46a89551cacffd71f81775a5c">
   <xsd:schema xmlns:xsd="http://www.w3.org/2001/XMLSchema" xmlns:xs="http://www.w3.org/2001/XMLSchema" xmlns:p="http://schemas.microsoft.com/office/2006/metadata/properties" xmlns:ns2="08600313-7276-4ca7-b5d3-7d86193ee0ac" xmlns:ns3="820f9cb1-409d-4c4b-8197-1d4f7dd48124" targetNamespace="http://schemas.microsoft.com/office/2006/metadata/properties" ma:root="true" ma:fieldsID="88f943689c6eba50ac915d805157f594" ns2:_="" ns3:_="">
     <xsd:import namespace="08600313-7276-4ca7-b5d3-7d86193ee0ac"/>
@@ -5093,33 +5065,27 @@
 </ct:contentTypeSchema>
 </file>
 
-<file path=customXml/itemProps1.xml><?xml version="1.0" encoding="utf-8"?>
-<ds:datastoreItem xmlns:ds="http://schemas.openxmlformats.org/officeDocument/2006/customXml" ds:itemID="{86CD37EC-2B9F-4D64-BA4A-94B17701AD27}">
-  <ds:schemaRefs>
-    <ds:schemaRef ds:uri="79ddb764-415a-4c38-83b7-908be6382bea"/>
-    <ds:schemaRef ds:uri="http://purl.org/dc/dcmitype/"/>
-    <ds:schemaRef ds:uri="http://purl.org/dc/elements/1.1/"/>
-    <ds:schemaRef ds:uri="http://schemas.openxmlformats.org/package/2006/metadata/core-properties"/>
-    <ds:schemaRef ds:uri="http://schemas.microsoft.com/office/2006/metadata/properties"/>
-    <ds:schemaRef ds:uri="http://purl.org/dc/terms/"/>
-    <ds:schemaRef ds:uri="http://schemas.microsoft.com/office/2006/documentManagement/types"/>
-    <ds:schemaRef ds:uri="http://schemas.microsoft.com/office/infopath/2007/PartnerControls"/>
-    <ds:schemaRef ds:uri="http://www.w3.org/XML/1998/namespace"/>
-    <ds:schemaRef ds:uri="820f9cb1-409d-4c4b-8197-1d4f7dd48124"/>
-    <ds:schemaRef ds:uri="08600313-7276-4ca7-b5d3-7d86193ee0ac"/>
-  </ds:schemaRefs>
-</ds:datastoreItem>
+<file path=customXml/item2.xml><?xml version="1.0" encoding="utf-8"?>
+<?mso-contentType ?>
+<FormTemplates xmlns="http://schemas.microsoft.com/sharepoint/v3/contenttype/forms">
+  <Display>DocumentLibraryForm</Display>
+  <Edit>DocumentLibraryForm</Edit>
+  <New>DocumentLibraryForm</New>
+</FormTemplates>
 </file>
 
-<file path=customXml/itemProps2.xml><?xml version="1.0" encoding="utf-8"?>
-<ds:datastoreItem xmlns:ds="http://schemas.openxmlformats.org/officeDocument/2006/customXml" ds:itemID="{63A389DE-AA01-4DDE-9AC8-23AA9A07961D}">
-  <ds:schemaRefs>
-    <ds:schemaRef ds:uri="http://schemas.microsoft.com/sharepoint/v3/contenttype/forms"/>
-  </ds:schemaRefs>
-</ds:datastoreItem>
+<file path=customXml/item3.xml><?xml version="1.0" encoding="utf-8"?>
+<p:properties xmlns:p="http://schemas.microsoft.com/office/2006/metadata/properties" xmlns:xsi="http://www.w3.org/2001/XMLSchema-instance" xmlns:pc="http://schemas.microsoft.com/office/infopath/2007/PartnerControls">
+  <documentManagement>
+    <TaxCatchAll xmlns="820f9cb1-409d-4c4b-8197-1d4f7dd48124" xsi:nil="true"/>
+    <lcf76f155ced4ddcb4097134ff3c332f xmlns="08600313-7276-4ca7-b5d3-7d86193ee0ac">
+      <Terms xmlns="http://schemas.microsoft.com/office/infopath/2007/PartnerControls"/>
+    </lcf76f155ced4ddcb4097134ff3c332f>
+  </documentManagement>
+</p:properties>
 </file>
 
-<file path=customXml/itemProps3.xml><?xml version="1.0" encoding="utf-8"?>
+<file path=customXml/itemProps1.xml><?xml version="1.0" encoding="utf-8"?>
 <ds:datastoreItem xmlns:ds="http://schemas.openxmlformats.org/officeDocument/2006/customXml" ds:itemID="{84DAE545-BE9D-4229-851A-C94DD8292B95}">
   <ds:schemaRefs>
     <ds:schemaRef ds:uri="http://schemas.microsoft.com/office/2006/metadata/contentType"/>
@@ -5136,4 +5102,30 @@
     <ds:schemaRef ds:uri="http://schemas.microsoft.com/internal/obd"/>
   </ds:schemaRefs>
 </ds:datastoreItem>
+</file>
+
+<file path=customXml/itemProps2.xml><?xml version="1.0" encoding="utf-8"?>
+<ds:datastoreItem xmlns:ds="http://schemas.openxmlformats.org/officeDocument/2006/customXml" ds:itemID="{63A389DE-AA01-4DDE-9AC8-23AA9A07961D}">
+  <ds:schemaRefs>
+    <ds:schemaRef ds:uri="http://schemas.microsoft.com/sharepoint/v3/contenttype/forms"/>
+  </ds:schemaRefs>
+</ds:datastoreItem>
+</file>
+
+<file path=customXml/itemProps3.xml><?xml version="1.0" encoding="utf-8"?>
+<ds:datastoreItem xmlns:ds="http://schemas.openxmlformats.org/officeDocument/2006/customXml" ds:itemID="{86CD37EC-2B9F-4D64-BA4A-94B17701AD27}">
+  <ds:schemaRefs>
+    <ds:schemaRef ds:uri="79ddb764-415a-4c38-83b7-908be6382bea"/>
+    <ds:schemaRef ds:uri="http://purl.org/dc/dcmitype/"/>
+    <ds:schemaRef ds:uri="http://purl.org/dc/elements/1.1/"/>
+    <ds:schemaRef ds:uri="http://schemas.openxmlformats.org/package/2006/metadata/core-properties"/>
+    <ds:schemaRef ds:uri="http://schemas.microsoft.com/office/2006/metadata/properties"/>
+    <ds:schemaRef ds:uri="http://purl.org/dc/terms/"/>
+    <ds:schemaRef ds:uri="http://schemas.microsoft.com/office/2006/documentManagement/types"/>
+    <ds:schemaRef ds:uri="http://schemas.microsoft.com/office/infopath/2007/PartnerControls"/>
+    <ds:schemaRef ds:uri="http://www.w3.org/XML/1998/namespace"/>
+    <ds:schemaRef ds:uri="820f9cb1-409d-4c4b-8197-1d4f7dd48124"/>
+    <ds:schemaRef ds:uri="08600313-7276-4ca7-b5d3-7d86193ee0ac"/>
+  </ds:schemaRefs>
+</ds:datastoreItem>
 </file>